--- a/[presentation/[7.0]FormControl.pptx
+++ b/[presentation/[7.0]FormControl.pptx
@@ -203,7 +203,7 @@
           <a:p>
             <a:fld id="{846DF63A-6DEE-48D8-8BE9-099E5948A2A7}" type="datetimeFigureOut">
               <a:rPr lang="zh-CN" altLang="en-US" smtClean="0"/>
-              <a:t>2014/12/6</a:t>
+              <a:t>2014/12/10</a:t>
             </a:fld>
             <a:endParaRPr lang="zh-CN" altLang="en-US"/>
           </a:p>
@@ -2352,7 +2352,7 @@
           <a:p>
             <a:fld id="{530820CF-B880-4189-942D-D702A7CBA730}" type="datetimeFigureOut">
               <a:rPr lang="zh-CN" altLang="en-US" smtClean="0"/>
-              <a:t>2014/12/6</a:t>
+              <a:t>2014/12/10</a:t>
             </a:fld>
             <a:endParaRPr lang="zh-CN" altLang="en-US"/>
           </a:p>
@@ -2517,7 +2517,7 @@
           <a:p>
             <a:fld id="{530820CF-B880-4189-942D-D702A7CBA730}" type="datetimeFigureOut">
               <a:rPr lang="zh-CN" altLang="en-US" smtClean="0"/>
-              <a:t>2014/12/6</a:t>
+              <a:t>2014/12/10</a:t>
             </a:fld>
             <a:endParaRPr lang="zh-CN" altLang="en-US"/>
           </a:p>
@@ -2692,7 +2692,7 @@
           <a:p>
             <a:fld id="{530820CF-B880-4189-942D-D702A7CBA730}" type="datetimeFigureOut">
               <a:rPr lang="zh-CN" altLang="en-US" smtClean="0"/>
-              <a:t>2014/12/6</a:t>
+              <a:t>2014/12/10</a:t>
             </a:fld>
             <a:endParaRPr lang="zh-CN" altLang="en-US"/>
           </a:p>
@@ -2857,7 +2857,7 @@
           <a:p>
             <a:fld id="{530820CF-B880-4189-942D-D702A7CBA730}" type="datetimeFigureOut">
               <a:rPr lang="zh-CN" altLang="en-US" smtClean="0"/>
-              <a:t>2014/12/6</a:t>
+              <a:t>2014/12/10</a:t>
             </a:fld>
             <a:endParaRPr lang="zh-CN" altLang="en-US"/>
           </a:p>
@@ -3098,7 +3098,7 @@
           <a:p>
             <a:fld id="{530820CF-B880-4189-942D-D702A7CBA730}" type="datetimeFigureOut">
               <a:rPr lang="zh-CN" altLang="en-US" smtClean="0"/>
-              <a:t>2014/12/6</a:t>
+              <a:t>2014/12/10</a:t>
             </a:fld>
             <a:endParaRPr lang="zh-CN" altLang="en-US"/>
           </a:p>
@@ -3381,7 +3381,7 @@
           <a:p>
             <a:fld id="{530820CF-B880-4189-942D-D702A7CBA730}" type="datetimeFigureOut">
               <a:rPr lang="zh-CN" altLang="en-US" smtClean="0"/>
-              <a:t>2014/12/6</a:t>
+              <a:t>2014/12/10</a:t>
             </a:fld>
             <a:endParaRPr lang="zh-CN" altLang="en-US"/>
           </a:p>
@@ -3798,7 +3798,7 @@
           <a:p>
             <a:fld id="{530820CF-B880-4189-942D-D702A7CBA730}" type="datetimeFigureOut">
               <a:rPr lang="zh-CN" altLang="en-US" smtClean="0"/>
-              <a:t>2014/12/6</a:t>
+              <a:t>2014/12/10</a:t>
             </a:fld>
             <a:endParaRPr lang="zh-CN" altLang="en-US"/>
           </a:p>
@@ -3911,7 +3911,7 @@
           <a:p>
             <a:fld id="{530820CF-B880-4189-942D-D702A7CBA730}" type="datetimeFigureOut">
               <a:rPr lang="zh-CN" altLang="en-US" smtClean="0"/>
-              <a:t>2014/12/6</a:t>
+              <a:t>2014/12/10</a:t>
             </a:fld>
             <a:endParaRPr lang="zh-CN" altLang="en-US"/>
           </a:p>
@@ -4001,7 +4001,7 @@
           <a:p>
             <a:fld id="{530820CF-B880-4189-942D-D702A7CBA730}" type="datetimeFigureOut">
               <a:rPr lang="zh-CN" altLang="en-US" smtClean="0"/>
-              <a:t>2014/12/6</a:t>
+              <a:t>2014/12/10</a:t>
             </a:fld>
             <a:endParaRPr lang="zh-CN" altLang="en-US"/>
           </a:p>
@@ -4273,7 +4273,7 @@
           <a:p>
             <a:fld id="{530820CF-B880-4189-942D-D702A7CBA730}" type="datetimeFigureOut">
               <a:rPr lang="zh-CN" altLang="en-US" smtClean="0"/>
-              <a:t>2014/12/6</a:t>
+              <a:t>2014/12/10</a:t>
             </a:fld>
             <a:endParaRPr lang="zh-CN" altLang="en-US"/>
           </a:p>
@@ -4521,7 +4521,7 @@
           <a:p>
             <a:fld id="{530820CF-B880-4189-942D-D702A7CBA730}" type="datetimeFigureOut">
               <a:rPr lang="zh-CN" altLang="en-US" smtClean="0"/>
-              <a:t>2014/12/6</a:t>
+              <a:t>2014/12/10</a:t>
             </a:fld>
             <a:endParaRPr lang="zh-CN" altLang="en-US"/>
           </a:p>
@@ -4729,7 +4729,7 @@
           <a:p>
             <a:fld id="{530820CF-B880-4189-942D-D702A7CBA730}" type="datetimeFigureOut">
               <a:rPr lang="zh-CN" altLang="en-US" smtClean="0"/>
-              <a:t>2014/12/6</a:t>
+              <a:t>2014/12/10</a:t>
             </a:fld>
             <a:endParaRPr lang="zh-CN" altLang="en-US"/>
           </a:p>
@@ -5798,7 +5798,7 @@
         </p:blipFill>
         <p:spPr bwMode="auto">
           <a:xfrm>
-            <a:off x="960138" y="1412776"/>
+            <a:off x="960137" y="1412776"/>
             <a:ext cx="7463511" cy="3888432"/>
           </a:xfrm>
           <a:prstGeom prst="rect">
@@ -6441,13 +6441,22 @@
               <a:t>&lt;</a:t>
             </a:r>
             <a:r>
-              <a:rPr lang="en-US" altLang="zh-CN" dirty="0" err="1"/>
+              <a:rPr lang="en-US" altLang="zh-CN" dirty="0" err="1" smtClean="0"/>
               <a:t>textarea</a:t>
             </a:r>
             <a:r>
               <a:rPr lang="en-US" altLang="zh-CN" dirty="0" smtClean="0"/>
+              <a:t> row=“5”&gt;&lt;/</a:t>
+            </a:r>
+            <a:r>
+              <a:rPr lang="en-US" altLang="zh-CN" dirty="0" err="1" smtClean="0"/>
+              <a:t>textarea</a:t>
+            </a:r>
+            <a:r>
+              <a:rPr lang="en-US" altLang="zh-CN" dirty="0" smtClean="0"/>
               <a:t>&gt;</a:t>
             </a:r>
+            <a:endParaRPr lang="en-US" altLang="zh-CN" dirty="0" smtClean="0"/>
           </a:p>
           <a:p>
             <a:r>
@@ -6456,8 +6465,9 @@
             </a:r>
             <a:r>
               <a:rPr lang="en-US" altLang="zh-CN" dirty="0" smtClean="0"/>
-              <a:t>&gt;</a:t>
-            </a:r>
+              <a:t>&gt;&lt;option value=“1”&gt;</a:t>
+            </a:r>
+            <a:endParaRPr lang="en-US" altLang="zh-CN" dirty="0" smtClean="0"/>
           </a:p>
           <a:p>
             <a:r>
@@ -6661,8 +6671,13 @@
           <a:p>
             <a:r>
               <a:rPr lang="en-US" altLang="zh-CN" dirty="0"/>
-              <a:t>&lt;input type='color'&gt;</a:t>
-            </a:r>
+              <a:t>&lt;input type=</a:t>
+            </a:r>
+            <a:r>
+              <a:rPr lang="en-US" altLang="zh-CN" dirty="0" smtClean="0"/>
+              <a:t>'color‘ value=“”&gt;</a:t>
+            </a:r>
+            <a:endParaRPr lang="en-US" altLang="zh-CN" dirty="0"/>
           </a:p>
           <a:p>
             <a:r>
